--- a/lab2.pptx
+++ b/lab2.pptx
@@ -109,6 +109,22 @@
       </a:defRPr>
     </a:lvl9pPr>
   </p:defaultTextStyle>
+  <p:extLst>
+    <p:ext uri="{EFAFB233-063F-42B5-8137-9DF3F51BA10A}">
+      <p15:sldGuideLst xmlns:p15="http://schemas.microsoft.com/office/powerpoint/2012/main">
+        <p15:guide id="1" orient="horz" pos="2160">
+          <p15:clr>
+            <a:srgbClr val="A4A3A4"/>
+          </p15:clr>
+        </p15:guide>
+        <p15:guide id="2" pos="2880">
+          <p15:clr>
+            <a:srgbClr val="A4A3A4"/>
+          </p15:clr>
+        </p15:guide>
+      </p15:sldGuideLst>
+    </p:ext>
+  </p:extLst>
 </p:presentation>
 </file>
 
@@ -249,7 +265,7 @@
           <a:p>
             <a:fld id="{40B51F40-6BB4-4E86-8EF7-7CEB2DB8035C}" type="datetimeFigureOut">
               <a:rPr lang="pt-BR" smtClean="0"/>
-              <a:t>08/09/2018</a:t>
+              <a:t>09/09/2018</a:t>
             </a:fld>
             <a:endParaRPr lang="pt-BR"/>
           </a:p>
@@ -1118,7 +1134,7 @@
           <a:p>
             <a:fld id="{40B51F40-6BB4-4E86-8EF7-7CEB2DB8035C}" type="datetimeFigureOut">
               <a:rPr lang="pt-BR" smtClean="0"/>
-              <a:t>08/09/2018</a:t>
+              <a:t>09/09/2018</a:t>
             </a:fld>
             <a:endParaRPr lang="pt-BR"/>
           </a:p>
@@ -1293,7 +1309,7 @@
           <a:p>
             <a:fld id="{40B51F40-6BB4-4E86-8EF7-7CEB2DB8035C}" type="datetimeFigureOut">
               <a:rPr lang="pt-BR" smtClean="0"/>
-              <a:t>08/09/2018</a:t>
+              <a:t>09/09/2018</a:t>
             </a:fld>
             <a:endParaRPr lang="pt-BR"/>
           </a:p>
@@ -1463,7 +1479,7 @@
           <a:p>
             <a:fld id="{40B51F40-6BB4-4E86-8EF7-7CEB2DB8035C}" type="datetimeFigureOut">
               <a:rPr lang="pt-BR" smtClean="0"/>
-              <a:t>08/09/2018</a:t>
+              <a:t>09/09/2018</a:t>
             </a:fld>
             <a:endParaRPr lang="pt-BR"/>
           </a:p>
@@ -1673,7 +1689,7 @@
           <a:p>
             <a:fld id="{40B51F40-6BB4-4E86-8EF7-7CEB2DB8035C}" type="datetimeFigureOut">
               <a:rPr lang="pt-BR" smtClean="0"/>
-              <a:t>08/09/2018</a:t>
+              <a:t>09/09/2018</a:t>
             </a:fld>
             <a:endParaRPr lang="pt-BR"/>
           </a:p>
@@ -2487,7 +2503,7 @@
           <a:p>
             <a:fld id="{40B51F40-6BB4-4E86-8EF7-7CEB2DB8035C}" type="datetimeFigureOut">
               <a:rPr lang="pt-BR" smtClean="0"/>
-              <a:t>08/09/2018</a:t>
+              <a:t>09/09/2018</a:t>
             </a:fld>
             <a:endParaRPr lang="pt-BR"/>
           </a:p>
@@ -2723,7 +2739,7 @@
           <a:p>
             <a:fld id="{40B51F40-6BB4-4E86-8EF7-7CEB2DB8035C}" type="datetimeFigureOut">
               <a:rPr lang="pt-BR" smtClean="0"/>
-              <a:t>08/09/2018</a:t>
+              <a:t>09/09/2018</a:t>
             </a:fld>
             <a:endParaRPr lang="pt-BR"/>
           </a:p>
@@ -3046,7 +3062,7 @@
           <a:p>
             <a:fld id="{40B51F40-6BB4-4E86-8EF7-7CEB2DB8035C}" type="datetimeFigureOut">
               <a:rPr lang="pt-BR" smtClean="0"/>
-              <a:t>08/09/2018</a:t>
+              <a:t>09/09/2018</a:t>
             </a:fld>
             <a:endParaRPr lang="pt-BR"/>
           </a:p>
@@ -3136,7 +3152,7 @@
           <a:p>
             <a:fld id="{40B51F40-6BB4-4E86-8EF7-7CEB2DB8035C}" type="datetimeFigureOut">
               <a:rPr lang="pt-BR" smtClean="0"/>
-              <a:t>08/09/2018</a:t>
+              <a:t>09/09/2018</a:t>
             </a:fld>
             <a:endParaRPr lang="pt-BR"/>
           </a:p>
@@ -3653,7 +3669,7 @@
           <a:p>
             <a:fld id="{40B51F40-6BB4-4E86-8EF7-7CEB2DB8035C}" type="datetimeFigureOut">
               <a:rPr lang="pt-BR" smtClean="0"/>
-              <a:t>08/09/2018</a:t>
+              <a:t>09/09/2018</a:t>
             </a:fld>
             <a:endParaRPr lang="pt-BR"/>
           </a:p>
@@ -4164,7 +4180,7 @@
           <a:p>
             <a:fld id="{40B51F40-6BB4-4E86-8EF7-7CEB2DB8035C}" type="datetimeFigureOut">
               <a:rPr lang="pt-BR" smtClean="0"/>
-              <a:t>08/09/2018</a:t>
+              <a:t>09/09/2018</a:t>
             </a:fld>
             <a:endParaRPr lang="pt-BR"/>
           </a:p>
@@ -4409,7 +4425,7 @@
           <a:p>
             <a:fld id="{40B51F40-6BB4-4E86-8EF7-7CEB2DB8035C}" type="datetimeFigureOut">
               <a:rPr lang="pt-BR" smtClean="0"/>
-              <a:t>08/09/2018</a:t>
+              <a:t>09/09/2018</a:t>
             </a:fld>
             <a:endParaRPr lang="pt-BR"/>
           </a:p>
@@ -5054,8 +5070,13 @@
           <a:p>
             <a:r>
               <a:rPr lang="pt-BR" dirty="0" smtClean="0"/>
-              <a:t>Marlon Prudente Oliveira de Moraes</a:t>
-            </a:r>
+              <a:t>Marlon </a:t>
+            </a:r>
+            <a:r>
+              <a:rPr lang="pt-BR" dirty="0" smtClean="0"/>
+              <a:t>Mateus Prudente de Oliveira</a:t>
+            </a:r>
+            <a:endParaRPr lang="pt-BR" dirty="0" smtClean="0"/>
           </a:p>
           <a:p>
             <a:r>
@@ -5405,6 +5426,13 @@
               <a:rPr lang="pt-BR" dirty="0" smtClean="0"/>
               <a:t>Threads</a:t>
             </a:r>
+          </a:p>
+          <a:p>
+            <a:r>
+              <a:rPr lang="pt-BR" dirty="0" smtClean="0"/>
+              <a:t>Decodificação da mensagem.</a:t>
+            </a:r>
+            <a:endParaRPr lang="pt-BR" dirty="0" smtClean="0"/>
           </a:p>
           <a:p>
             <a:r>

--- a/lab2.pptx
+++ b/lab2.pptx
@@ -8,9 +8,10 @@
     <p:sldId id="256" r:id="rId2"/>
     <p:sldId id="257" r:id="rId3"/>
     <p:sldId id="258" r:id="rId4"/>
-    <p:sldId id="259" r:id="rId5"/>
-    <p:sldId id="260" r:id="rId6"/>
-    <p:sldId id="261" r:id="rId7"/>
+    <p:sldId id="262" r:id="rId5"/>
+    <p:sldId id="259" r:id="rId6"/>
+    <p:sldId id="260" r:id="rId7"/>
+    <p:sldId id="261" r:id="rId8"/>
   </p:sldIdLst>
   <p:sldSz cx="9144000" cy="6858000" type="screen4x3"/>
   <p:notesSz cx="6858000" cy="9144000"/>
@@ -111,7 +112,7 @@
   </p:defaultTextStyle>
   <p:extLst>
     <p:ext uri="{EFAFB233-063F-42B5-8137-9DF3F51BA10A}">
-      <p15:sldGuideLst xmlns:p15="http://schemas.microsoft.com/office/powerpoint/2012/main">
+      <p15:sldGuideLst xmlns:p15="http://schemas.microsoft.com/office/powerpoint/2012/main" xmlns="">
         <p15:guide id="1" orient="horz" pos="2160">
           <p15:clr>
             <a:srgbClr val="A4A3A4"/>
@@ -265,7 +266,8 @@
           <a:p>
             <a:fld id="{40B51F40-6BB4-4E86-8EF7-7CEB2DB8035C}" type="datetimeFigureOut">
               <a:rPr lang="pt-BR" smtClean="0"/>
-              <a:t>09/09/2018</a:t>
+              <a:pPr/>
+              <a:t>10/09/2018</a:t>
             </a:fld>
             <a:endParaRPr lang="pt-BR"/>
           </a:p>
@@ -1011,6 +1013,7 @@
           <a:p>
             <a:fld id="{FC6A0B48-1B97-40C8-809A-8A7AC1E40EAF}" type="slidenum">
               <a:rPr lang="pt-BR" smtClean="0"/>
+              <a:pPr/>
               <a:t>‹nº›</a:t>
             </a:fld>
             <a:endParaRPr lang="pt-BR"/>
@@ -1134,7 +1137,8 @@
           <a:p>
             <a:fld id="{40B51F40-6BB4-4E86-8EF7-7CEB2DB8035C}" type="datetimeFigureOut">
               <a:rPr lang="pt-BR" smtClean="0"/>
-              <a:t>09/09/2018</a:t>
+              <a:pPr/>
+              <a:t>10/09/2018</a:t>
             </a:fld>
             <a:endParaRPr lang="pt-BR"/>
           </a:p>
@@ -1176,6 +1180,7 @@
           <a:p>
             <a:fld id="{FC6A0B48-1B97-40C8-809A-8A7AC1E40EAF}" type="slidenum">
               <a:rPr lang="pt-BR" smtClean="0"/>
+              <a:pPr/>
               <a:t>‹nº›</a:t>
             </a:fld>
             <a:endParaRPr lang="pt-BR"/>
@@ -1309,7 +1314,8 @@
           <a:p>
             <a:fld id="{40B51F40-6BB4-4E86-8EF7-7CEB2DB8035C}" type="datetimeFigureOut">
               <a:rPr lang="pt-BR" smtClean="0"/>
-              <a:t>09/09/2018</a:t>
+              <a:pPr/>
+              <a:t>10/09/2018</a:t>
             </a:fld>
             <a:endParaRPr lang="pt-BR"/>
           </a:p>
@@ -1351,6 +1357,7 @@
           <a:p>
             <a:fld id="{FC6A0B48-1B97-40C8-809A-8A7AC1E40EAF}" type="slidenum">
               <a:rPr lang="pt-BR" smtClean="0"/>
+              <a:pPr/>
               <a:t>‹nº›</a:t>
             </a:fld>
             <a:endParaRPr lang="pt-BR"/>
@@ -1479,7 +1486,8 @@
           <a:p>
             <a:fld id="{40B51F40-6BB4-4E86-8EF7-7CEB2DB8035C}" type="datetimeFigureOut">
               <a:rPr lang="pt-BR" smtClean="0"/>
-              <a:t>09/09/2018</a:t>
+              <a:pPr/>
+              <a:t>10/09/2018</a:t>
             </a:fld>
             <a:endParaRPr lang="pt-BR"/>
           </a:p>
@@ -1502,6 +1510,7 @@
           <a:p>
             <a:fld id="{FC6A0B48-1B97-40C8-809A-8A7AC1E40EAF}" type="slidenum">
               <a:rPr lang="pt-BR" smtClean="0"/>
+              <a:pPr/>
               <a:t>‹nº›</a:t>
             </a:fld>
             <a:endParaRPr lang="pt-BR"/>
@@ -1689,7 +1698,8 @@
           <a:p>
             <a:fld id="{40B51F40-6BB4-4E86-8EF7-7CEB2DB8035C}" type="datetimeFigureOut">
               <a:rPr lang="pt-BR" smtClean="0"/>
-              <a:t>09/09/2018</a:t>
+              <a:pPr/>
+              <a:t>10/09/2018</a:t>
             </a:fld>
             <a:endParaRPr lang="pt-BR"/>
           </a:p>
@@ -2432,6 +2442,7 @@
           <a:p>
             <a:fld id="{FC6A0B48-1B97-40C8-809A-8A7AC1E40EAF}" type="slidenum">
               <a:rPr lang="pt-BR" smtClean="0"/>
+              <a:pPr/>
               <a:t>‹nº›</a:t>
             </a:fld>
             <a:endParaRPr lang="pt-BR"/>
@@ -2503,7 +2514,8 @@
           <a:p>
             <a:fld id="{40B51F40-6BB4-4E86-8EF7-7CEB2DB8035C}" type="datetimeFigureOut">
               <a:rPr lang="pt-BR" smtClean="0"/>
-              <a:t>09/09/2018</a:t>
+              <a:pPr/>
+              <a:t>10/09/2018</a:t>
             </a:fld>
             <a:endParaRPr lang="pt-BR"/>
           </a:p>
@@ -2545,6 +2557,7 @@
           <a:p>
             <a:fld id="{FC6A0B48-1B97-40C8-809A-8A7AC1E40EAF}" type="slidenum">
               <a:rPr lang="pt-BR" smtClean="0"/>
+              <a:pPr/>
               <a:t>‹nº›</a:t>
             </a:fld>
             <a:endParaRPr lang="pt-BR"/>
@@ -2739,7 +2752,8 @@
           <a:p>
             <a:fld id="{40B51F40-6BB4-4E86-8EF7-7CEB2DB8035C}" type="datetimeFigureOut">
               <a:rPr lang="pt-BR" smtClean="0"/>
-              <a:t>09/09/2018</a:t>
+              <a:pPr/>
+              <a:t>10/09/2018</a:t>
             </a:fld>
             <a:endParaRPr lang="pt-BR"/>
           </a:p>
@@ -2781,6 +2795,7 @@
           <a:p>
             <a:fld id="{FC6A0B48-1B97-40C8-809A-8A7AC1E40EAF}" type="slidenum">
               <a:rPr lang="pt-BR" smtClean="0"/>
+              <a:pPr/>
               <a:t>‹nº›</a:t>
             </a:fld>
             <a:endParaRPr lang="pt-BR"/>
@@ -3062,7 +3077,8 @@
           <a:p>
             <a:fld id="{40B51F40-6BB4-4E86-8EF7-7CEB2DB8035C}" type="datetimeFigureOut">
               <a:rPr lang="pt-BR" smtClean="0"/>
-              <a:t>09/09/2018</a:t>
+              <a:pPr/>
+              <a:t>10/09/2018</a:t>
             </a:fld>
             <a:endParaRPr lang="pt-BR"/>
           </a:p>
@@ -3085,6 +3101,7 @@
           <a:p>
             <a:fld id="{FC6A0B48-1B97-40C8-809A-8A7AC1E40EAF}" type="slidenum">
               <a:rPr lang="pt-BR" smtClean="0"/>
+              <a:pPr/>
               <a:t>‹nº›</a:t>
             </a:fld>
             <a:endParaRPr lang="pt-BR"/>
@@ -3152,7 +3169,8 @@
           <a:p>
             <a:fld id="{40B51F40-6BB4-4E86-8EF7-7CEB2DB8035C}" type="datetimeFigureOut">
               <a:rPr lang="pt-BR" smtClean="0"/>
-              <a:t>09/09/2018</a:t>
+              <a:pPr/>
+              <a:t>10/09/2018</a:t>
             </a:fld>
             <a:endParaRPr lang="pt-BR"/>
           </a:p>
@@ -3194,6 +3212,7 @@
           <a:p>
             <a:fld id="{FC6A0B48-1B97-40C8-809A-8A7AC1E40EAF}" type="slidenum">
               <a:rPr lang="pt-BR" smtClean="0"/>
+              <a:pPr/>
               <a:t>‹nº›</a:t>
             </a:fld>
             <a:endParaRPr lang="pt-BR"/>
@@ -3669,7 +3688,8 @@
           <a:p>
             <a:fld id="{40B51F40-6BB4-4E86-8EF7-7CEB2DB8035C}" type="datetimeFigureOut">
               <a:rPr lang="pt-BR" smtClean="0"/>
-              <a:t>09/09/2018</a:t>
+              <a:pPr/>
+              <a:t>10/09/2018</a:t>
             </a:fld>
             <a:endParaRPr lang="pt-BR"/>
           </a:p>
@@ -3692,6 +3712,7 @@
           <a:p>
             <a:fld id="{FC6A0B48-1B97-40C8-809A-8A7AC1E40EAF}" type="slidenum">
               <a:rPr lang="pt-BR" smtClean="0"/>
+              <a:pPr/>
               <a:t>‹nº›</a:t>
             </a:fld>
             <a:endParaRPr lang="pt-BR"/>
@@ -4180,7 +4201,8 @@
           <a:p>
             <a:fld id="{40B51F40-6BB4-4E86-8EF7-7CEB2DB8035C}" type="datetimeFigureOut">
               <a:rPr lang="pt-BR" smtClean="0"/>
-              <a:t>09/09/2018</a:t>
+              <a:pPr/>
+              <a:t>10/09/2018</a:t>
             </a:fld>
             <a:endParaRPr lang="pt-BR"/>
           </a:p>
@@ -4203,6 +4225,7 @@
           <a:p>
             <a:fld id="{FC6A0B48-1B97-40C8-809A-8A7AC1E40EAF}" type="slidenum">
               <a:rPr lang="pt-BR" smtClean="0"/>
+              <a:pPr/>
               <a:t>‹nº›</a:t>
             </a:fld>
             <a:endParaRPr lang="pt-BR"/>
@@ -4425,7 +4448,8 @@
           <a:p>
             <a:fld id="{40B51F40-6BB4-4E86-8EF7-7CEB2DB8035C}" type="datetimeFigureOut">
               <a:rPr lang="pt-BR" smtClean="0"/>
-              <a:t>09/09/2018</a:t>
+              <a:pPr/>
+              <a:t>10/09/2018</a:t>
             </a:fld>
             <a:endParaRPr lang="pt-BR"/>
           </a:p>
@@ -4701,6 +4725,7 @@
           <a:p>
             <a:fld id="{FC6A0B48-1B97-40C8-809A-8A7AC1E40EAF}" type="slidenum">
               <a:rPr lang="pt-BR" smtClean="0"/>
+              <a:pPr/>
               <a:t>‹nº›</a:t>
             </a:fld>
             <a:endParaRPr lang="pt-BR"/>
@@ -5070,13 +5095,8 @@
           <a:p>
             <a:r>
               <a:rPr lang="pt-BR" dirty="0" smtClean="0"/>
-              <a:t>Marlon </a:t>
-            </a:r>
-            <a:r>
-              <a:rPr lang="pt-BR" dirty="0" smtClean="0"/>
-              <a:t>Mateus Prudente de Oliveira</a:t>
-            </a:r>
-            <a:endParaRPr lang="pt-BR" dirty="0" smtClean="0"/>
+              <a:t>Marlon Mateus Prudente de Oliveira</a:t>
+            </a:r>
           </a:p>
           <a:p>
             <a:r>
@@ -5092,6 +5112,13 @@
   <p:clrMapOvr>
     <a:masterClrMapping/>
   </p:clrMapOvr>
+  <p:timing>
+    <p:tnLst>
+      <p:par>
+        <p:cTn id="1" dur="indefinite" restart="never" nodeType="tmRoot"/>
+      </p:par>
+    </p:tnLst>
+  </p:timing>
 </p:sld>
 </file>
 
@@ -5152,7 +5179,23 @@
           <a:p>
             <a:r>
               <a:rPr lang="pt-BR" dirty="0" smtClean="0"/>
-              <a:t>Traduzir mensagens de 32-bits</a:t>
+              <a:t>Traduzir </a:t>
+            </a:r>
+            <a:r>
+              <a:rPr lang="pt-BR" dirty="0" smtClean="0"/>
+              <a:t>mensagens com </a:t>
+            </a:r>
+            <a:r>
+              <a:rPr lang="pt-BR" dirty="0" err="1" smtClean="0"/>
+              <a:t>words</a:t>
+            </a:r>
+            <a:r>
+              <a:rPr lang="pt-BR" dirty="0" smtClean="0"/>
+              <a:t> </a:t>
+            </a:r>
+            <a:r>
+              <a:rPr lang="pt-BR" dirty="0" smtClean="0"/>
+              <a:t>de 32-bits</a:t>
             </a:r>
           </a:p>
           <a:p>
@@ -5188,6 +5231,13 @@
   <p:clrMapOvr>
     <a:masterClrMapping/>
   </p:clrMapOvr>
+  <p:timing>
+    <p:tnLst>
+      <p:par>
+        <p:cTn id="1" dur="indefinite" restart="never" nodeType="tmRoot"/>
+      </p:par>
+    </p:tnLst>
+  </p:timing>
 </p:sld>
 </file>
 
@@ -5273,6 +5323,13 @@
   <p:clrMapOvr>
     <a:masterClrMapping/>
   </p:clrMapOvr>
+  <p:timing>
+    <p:tnLst>
+      <p:par>
+        <p:cTn id="1" dur="indefinite" restart="never" nodeType="tmRoot"/>
+      </p:par>
+    </p:tnLst>
+  </p:timing>
 </p:sld>
 </file>
 
@@ -5303,9 +5360,16 @@
             <p:ph type="title"/>
           </p:nvPr>
         </p:nvSpPr>
-        <p:spPr/>
-        <p:txBody>
-          <a:bodyPr/>
+        <p:spPr>
+          <a:xfrm>
+            <a:off x="457200" y="274638"/>
+            <a:ext cx="7467600" cy="418058"/>
+          </a:xfrm>
+        </p:spPr>
+        <p:txBody>
+          <a:bodyPr>
+            <a:normAutofit fontScale="90000"/>
+          </a:bodyPr>
           <a:lstStyle/>
           <a:p>
             <a:r>
@@ -5330,15 +5394,15 @@
         </p:nvPicPr>
         <p:blipFill>
           <a:blip r:embed="rId2" cstate="print"/>
-          <a:srcRect/>
+          <a:srcRect t="7377"/>
           <a:stretch>
             <a:fillRect/>
           </a:stretch>
         </p:blipFill>
         <p:spPr bwMode="auto">
           <a:xfrm>
-            <a:off x="539552" y="1700808"/>
-            <a:ext cx="7246534" cy="4896544"/>
+            <a:off x="216024" y="795139"/>
+            <a:ext cx="8676456" cy="5946229"/>
           </a:xfrm>
           <a:prstGeom prst="rect">
             <a:avLst/>
@@ -5350,7 +5414,6 @@
             <a:headEnd/>
             <a:tailEnd/>
           </a:ln>
-          <a:effectLst/>
         </p:spPr>
       </p:pic>
     </p:spTree>
@@ -5358,6 +5421,13 @@
   <p:clrMapOvr>
     <a:masterClrMapping/>
   </p:clrMapOvr>
+  <p:timing>
+    <p:tnLst>
+      <p:par>
+        <p:cTn id="1" dur="indefinite" restart="never" nodeType="tmRoot"/>
+      </p:par>
+    </p:tnLst>
+  </p:timing>
 </p:sld>
 </file>
 
@@ -5393,72 +5463,54 @@
           <a:bodyPr/>
           <a:lstStyle/>
           <a:p>
-            <a:r>
-              <a:rPr lang="pt-BR" dirty="0" smtClean="0"/>
-              <a:t>Dificuldades encontradas e soluções</a:t>
-            </a:r>
             <a:endParaRPr lang="pt-BR" dirty="0"/>
           </a:p>
         </p:txBody>
       </p:sp>
-      <p:sp>
-        <p:nvSpPr>
-          <p:cNvPr id="4" name="Espaço Reservado para Conteúdo 3"/>
-          <p:cNvSpPr>
-            <a:spLocks noGrp="1"/>
-          </p:cNvSpPr>
-          <p:nvPr>
-            <p:ph sz="quarter" idx="1"/>
-          </p:nvPr>
-        </p:nvSpPr>
-        <p:spPr/>
-        <p:txBody>
-          <a:bodyPr/>
-          <a:lstStyle/>
-          <a:p>
-            <a:r>
-              <a:rPr lang="pt-BR" dirty="0" smtClean="0"/>
-              <a:t>Primeiro contato com o embarcado</a:t>
-            </a:r>
-          </a:p>
-          <a:p>
-            <a:r>
-              <a:rPr lang="pt-BR" dirty="0" smtClean="0"/>
-              <a:t>Threads</a:t>
-            </a:r>
-          </a:p>
-          <a:p>
-            <a:r>
-              <a:rPr lang="pt-BR" dirty="0" smtClean="0"/>
-              <a:t>Decodificação da mensagem.</a:t>
-            </a:r>
-            <a:endParaRPr lang="pt-BR" dirty="0" smtClean="0"/>
-          </a:p>
-          <a:p>
-            <a:r>
-              <a:rPr lang="pt-BR" dirty="0" smtClean="0"/>
-              <a:t>Impressão no LCD</a:t>
-            </a:r>
-          </a:p>
-          <a:p>
-            <a:r>
-              <a:rPr lang="pt-BR" dirty="0" smtClean="0"/>
-              <a:t>Tamanho da chave</a:t>
-            </a:r>
-          </a:p>
-          <a:p>
-            <a:endParaRPr lang="pt-BR" dirty="0" smtClean="0"/>
-          </a:p>
-          <a:p>
-            <a:endParaRPr lang="pt-BR" dirty="0"/>
-          </a:p>
-        </p:txBody>
-      </p:sp>
+      <p:pic>
+        <p:nvPicPr>
+          <p:cNvPr id="1026" name="Picture 2"/>
+          <p:cNvPicPr>
+            <a:picLocks noChangeAspect="1" noChangeArrowheads="1"/>
+          </p:cNvPicPr>
+          <p:nvPr/>
+        </p:nvPicPr>
+        <p:blipFill>
+          <a:blip r:embed="rId2" cstate="print"/>
+          <a:srcRect/>
+          <a:stretch>
+            <a:fillRect/>
+          </a:stretch>
+        </p:blipFill>
+        <p:spPr bwMode="auto">
+          <a:xfrm>
+            <a:off x="395536" y="764704"/>
+            <a:ext cx="7884367" cy="5657850"/>
+          </a:xfrm>
+          <a:prstGeom prst="rect">
+            <a:avLst/>
+          </a:prstGeom>
+          <a:noFill/>
+          <a:ln w="9525">
+            <a:noFill/>
+            <a:miter lim="800000"/>
+            <a:headEnd/>
+            <a:tailEnd/>
+          </a:ln>
+        </p:spPr>
+      </p:pic>
     </p:spTree>
   </p:cSld>
   <p:clrMapOvr>
     <a:masterClrMapping/>
   </p:clrMapOvr>
+  <p:timing>
+    <p:tnLst>
+      <p:par>
+        <p:cTn id="1" dur="indefinite" restart="never" nodeType="tmRoot"/>
+      </p:par>
+    </p:tnLst>
+  </p:timing>
 </p:sld>
 </file>
 
@@ -5496,6 +5548,143 @@
           <a:p>
             <a:r>
               <a:rPr lang="pt-BR" dirty="0" smtClean="0"/>
+              <a:t>Dificuldades encontradas e soluções</a:t>
+            </a:r>
+            <a:endParaRPr lang="pt-BR" dirty="0"/>
+          </a:p>
+        </p:txBody>
+      </p:sp>
+      <p:sp>
+        <p:nvSpPr>
+          <p:cNvPr id="4" name="Espaço Reservado para Conteúdo 3"/>
+          <p:cNvSpPr>
+            <a:spLocks noGrp="1"/>
+          </p:cNvSpPr>
+          <p:nvPr>
+            <p:ph sz="quarter" idx="1"/>
+          </p:nvPr>
+        </p:nvSpPr>
+        <p:spPr/>
+        <p:txBody>
+          <a:bodyPr/>
+          <a:lstStyle/>
+          <a:p>
+            <a:r>
+              <a:rPr lang="pt-BR" dirty="0" smtClean="0"/>
+              <a:t>Primeiro contato com o embarcado</a:t>
+            </a:r>
+          </a:p>
+          <a:p>
+            <a:r>
+              <a:rPr lang="pt-BR" dirty="0" smtClean="0"/>
+              <a:t>Threads</a:t>
+            </a:r>
+          </a:p>
+          <a:p>
+            <a:r>
+              <a:rPr lang="pt-BR" dirty="0" smtClean="0"/>
+              <a:t>Inversão das </a:t>
+            </a:r>
+            <a:r>
+              <a:rPr lang="pt-BR" dirty="0" err="1" smtClean="0"/>
+              <a:t>words</a:t>
+            </a:r>
+            <a:endParaRPr lang="pt-BR" dirty="0" smtClean="0"/>
+          </a:p>
+          <a:p>
+            <a:r>
+              <a:rPr lang="pt-BR" dirty="0" smtClean="0"/>
+              <a:t>Decodificação da mensagem.</a:t>
+            </a:r>
+          </a:p>
+          <a:p>
+            <a:r>
+              <a:rPr lang="pt-BR" dirty="0" smtClean="0"/>
+              <a:t>Impressão no LCD</a:t>
+            </a:r>
+          </a:p>
+          <a:p>
+            <a:r>
+              <a:rPr lang="pt-BR" dirty="0" smtClean="0"/>
+              <a:t>Tamanho da </a:t>
+            </a:r>
+            <a:r>
+              <a:rPr lang="pt-BR" dirty="0" smtClean="0"/>
+              <a:t>chave</a:t>
+            </a:r>
+          </a:p>
+          <a:p>
+            <a:r>
+              <a:rPr lang="pt-BR" dirty="0" smtClean="0"/>
+              <a:t>Contagem </a:t>
+            </a:r>
+            <a:r>
+              <a:rPr lang="pt-BR" dirty="0" smtClean="0"/>
+              <a:t>do t</a:t>
+            </a:r>
+            <a:r>
+              <a:rPr lang="pt-BR" dirty="0" smtClean="0"/>
+              <a:t>empo </a:t>
+            </a:r>
+            <a:endParaRPr lang="pt-BR" dirty="0" smtClean="0"/>
+          </a:p>
+          <a:p>
+            <a:endParaRPr lang="pt-BR" dirty="0" smtClean="0"/>
+          </a:p>
+          <a:p>
+            <a:endParaRPr lang="pt-BR" dirty="0"/>
+          </a:p>
+        </p:txBody>
+      </p:sp>
+    </p:spTree>
+  </p:cSld>
+  <p:clrMapOvr>
+    <a:masterClrMapping/>
+  </p:clrMapOvr>
+  <p:timing>
+    <p:tnLst>
+      <p:par>
+        <p:cTn id="1" dur="indefinite" restart="never" nodeType="tmRoot"/>
+      </p:par>
+    </p:tnLst>
+  </p:timing>
+</p:sld>
+</file>
+
+<file path=ppt/slides/slide7.xml><?xml version="1.0" encoding="utf-8"?>
+<p:sld xmlns:a="http://schemas.openxmlformats.org/drawingml/2006/main" xmlns:r="http://schemas.openxmlformats.org/officeDocument/2006/relationships" xmlns:p="http://schemas.openxmlformats.org/presentationml/2006/main">
+  <p:cSld>
+    <p:spTree>
+      <p:nvGrpSpPr>
+        <p:cNvPr id="1" name=""/>
+        <p:cNvGrpSpPr/>
+        <p:nvPr/>
+      </p:nvGrpSpPr>
+      <p:grpSpPr>
+        <a:xfrm>
+          <a:off x="0" y="0"/>
+          <a:ext cx="0" cy="0"/>
+          <a:chOff x="0" y="0"/>
+          <a:chExt cx="0" cy="0"/>
+        </a:xfrm>
+      </p:grpSpPr>
+      <p:sp>
+        <p:nvSpPr>
+          <p:cNvPr id="2" name="Título 1"/>
+          <p:cNvSpPr>
+            <a:spLocks noGrp="1"/>
+          </p:cNvSpPr>
+          <p:nvPr>
+            <p:ph type="title"/>
+          </p:nvPr>
+        </p:nvSpPr>
+        <p:spPr/>
+        <p:txBody>
+          <a:bodyPr/>
+          <a:lstStyle/>
+          <a:p>
+            <a:r>
+              <a:rPr lang="pt-BR" dirty="0" smtClean="0"/>
               <a:t>Conclusão</a:t>
             </a:r>
             <a:endParaRPr lang="pt-BR" dirty="0"/>
@@ -5571,6 +5760,13 @@
   <p:clrMapOvr>
     <a:masterClrMapping/>
   </p:clrMapOvr>
+  <p:timing>
+    <p:tnLst>
+      <p:par>
+        <p:cTn id="1" dur="indefinite" restart="never" nodeType="tmRoot"/>
+      </p:par>
+    </p:tnLst>
+  </p:timing>
 </p:sld>
 </file>
 
